--- a/presentations/2023-01-Tutorials/FHIR-Terminology-Advanced/FHIR-Terminology-Advanced-2023-01-18.pptx
+++ b/presentations/2023-01-Tutorials/FHIR-Terminology-Advanced/FHIR-Terminology-Advanced-2023-01-18.pptx
@@ -15521,7 +15521,7 @@
           <p:nvPr>
             <p:extLst>
               <p:ext uri="{D42A27DB-BD31-4B8C-83A1-F6EECF244321}">
-                <p14:modId xmlns:p14="http://schemas.microsoft.com/office/powerpoint/2010/main" val="3150522727"/>
+                <p14:modId xmlns:p14="http://schemas.microsoft.com/office/powerpoint/2010/main" val="2515777786"/>
               </p:ext>
             </p:extLst>
           </p:nvPr>
